--- a/data/calculation for kcal per activity.pptx
+++ b/data/calculation for kcal per activity.pptx
@@ -119,6 +119,9 @@
           </p14:sldIdLst>
         </p14:section>
       </p14:sectionLst>
+    </p:ext>
+    <p:ext uri="{EFAFB233-063F-42B5-8137-9DF3F51BA10A}">
+      <p15:sldGuideLst xmlns:p15="http://schemas.microsoft.com/office/powerpoint/2012/main"/>
     </p:ext>
   </p:extLst>
 </p:presentation>
@@ -4541,6 +4544,15 @@
           <a:lstStyle/>
           <a:p>
             <a:r>
+              <a:rPr lang="de-DE" dirty="0">
+                <a:solidFill>
+                  <a:srgbClr val="000000"/>
+                </a:solidFill>
+                <a:latin typeface="Times New Roman" panose="02020603050405020304" pitchFamily="18" charset="0"/>
+              </a:rPr>
+              <a:t>&gt;</a:t>
+            </a:r>
+            <a:r>
               <a:rPr lang="de-DE" b="0" i="0" dirty="0">
                 <a:solidFill>
                   <a:srgbClr val="000000"/>
@@ -4548,7 +4560,7 @@
                 <a:effectLst/>
                 <a:latin typeface="Times New Roman" panose="02020603050405020304" pitchFamily="18" charset="0"/>
               </a:rPr>
-              <a:t>&lt; 20 km/h, 8.0 MET</a:t>
+              <a:t> 20 km/h, 8.0 MET</a:t>
             </a:r>
             <a:endParaRPr lang="de-DE" dirty="0"/>
           </a:p>
@@ -4774,7 +4786,7 @@
           <a:p>
             <a:r>
               <a:rPr lang="de-DE" dirty="0"/>
-              <a:t>&lt; 5 km/h, 3.5 MET </a:t>
+              <a:t>&gt; 5 km/h, 3.5 MET </a:t>
             </a:r>
           </a:p>
         </p:txBody>
@@ -4844,7 +4856,7 @@
           <a:p>
             <a:r>
               <a:rPr lang="de-DE" dirty="0"/>
-              <a:t>&lt; 16 km/h, 14.5 MET </a:t>
+              <a:t>&gt; 16 km/h, 14.5 MET </a:t>
             </a:r>
           </a:p>
         </p:txBody>
@@ -4914,7 +4926,7 @@
           <a:p>
             <a:r>
               <a:rPr lang="de-DE" dirty="0"/>
-              <a:t>&lt; 21 km/h, 12.3 MET </a:t>
+              <a:t>&gt; 21 km/h, 12.3 MET </a:t>
             </a:r>
           </a:p>
         </p:txBody>

--- a/data/calculation for kcal per activity.pptx
+++ b/data/calculation for kcal per activity.pptx
@@ -274,7 +274,7 @@
           <a:p>
             <a:fld id="{79EFB4F8-9E1C-4EEA-A32D-5FB7768A7BA1}" type="datetimeFigureOut">
               <a:rPr lang="de-DE" smtClean="0"/>
-              <a:t>29.10.2022</a:t>
+              <a:t>30.10.2022</a:t>
             </a:fld>
             <a:endParaRPr lang="de-DE"/>
           </a:p>
@@ -472,7 +472,7 @@
           <a:p>
             <a:fld id="{79EFB4F8-9E1C-4EEA-A32D-5FB7768A7BA1}" type="datetimeFigureOut">
               <a:rPr lang="de-DE" smtClean="0"/>
-              <a:t>29.10.2022</a:t>
+              <a:t>30.10.2022</a:t>
             </a:fld>
             <a:endParaRPr lang="de-DE"/>
           </a:p>
@@ -680,7 +680,7 @@
           <a:p>
             <a:fld id="{79EFB4F8-9E1C-4EEA-A32D-5FB7768A7BA1}" type="datetimeFigureOut">
               <a:rPr lang="de-DE" smtClean="0"/>
-              <a:t>29.10.2022</a:t>
+              <a:t>30.10.2022</a:t>
             </a:fld>
             <a:endParaRPr lang="de-DE"/>
           </a:p>
@@ -878,7 +878,7 @@
           <a:p>
             <a:fld id="{79EFB4F8-9E1C-4EEA-A32D-5FB7768A7BA1}" type="datetimeFigureOut">
               <a:rPr lang="de-DE" smtClean="0"/>
-              <a:t>29.10.2022</a:t>
+              <a:t>30.10.2022</a:t>
             </a:fld>
             <a:endParaRPr lang="de-DE"/>
           </a:p>
@@ -1153,7 +1153,7 @@
           <a:p>
             <a:fld id="{79EFB4F8-9E1C-4EEA-A32D-5FB7768A7BA1}" type="datetimeFigureOut">
               <a:rPr lang="de-DE" smtClean="0"/>
-              <a:t>29.10.2022</a:t>
+              <a:t>30.10.2022</a:t>
             </a:fld>
             <a:endParaRPr lang="de-DE"/>
           </a:p>
@@ -1418,7 +1418,7 @@
           <a:p>
             <a:fld id="{79EFB4F8-9E1C-4EEA-A32D-5FB7768A7BA1}" type="datetimeFigureOut">
               <a:rPr lang="de-DE" smtClean="0"/>
-              <a:t>29.10.2022</a:t>
+              <a:t>30.10.2022</a:t>
             </a:fld>
             <a:endParaRPr lang="de-DE"/>
           </a:p>
@@ -1830,7 +1830,7 @@
           <a:p>
             <a:fld id="{79EFB4F8-9E1C-4EEA-A32D-5FB7768A7BA1}" type="datetimeFigureOut">
               <a:rPr lang="de-DE" smtClean="0"/>
-              <a:t>29.10.2022</a:t>
+              <a:t>30.10.2022</a:t>
             </a:fld>
             <a:endParaRPr lang="de-DE"/>
           </a:p>
@@ -1971,7 +1971,7 @@
           <a:p>
             <a:fld id="{79EFB4F8-9E1C-4EEA-A32D-5FB7768A7BA1}" type="datetimeFigureOut">
               <a:rPr lang="de-DE" smtClean="0"/>
-              <a:t>29.10.2022</a:t>
+              <a:t>30.10.2022</a:t>
             </a:fld>
             <a:endParaRPr lang="de-DE"/>
           </a:p>
@@ -2084,7 +2084,7 @@
           <a:p>
             <a:fld id="{79EFB4F8-9E1C-4EEA-A32D-5FB7768A7BA1}" type="datetimeFigureOut">
               <a:rPr lang="de-DE" smtClean="0"/>
-              <a:t>29.10.2022</a:t>
+              <a:t>30.10.2022</a:t>
             </a:fld>
             <a:endParaRPr lang="de-DE"/>
           </a:p>
@@ -2395,7 +2395,7 @@
           <a:p>
             <a:fld id="{79EFB4F8-9E1C-4EEA-A32D-5FB7768A7BA1}" type="datetimeFigureOut">
               <a:rPr lang="de-DE" smtClean="0"/>
-              <a:t>29.10.2022</a:t>
+              <a:t>30.10.2022</a:t>
             </a:fld>
             <a:endParaRPr lang="de-DE"/>
           </a:p>
@@ -2683,7 +2683,7 @@
           <a:p>
             <a:fld id="{79EFB4F8-9E1C-4EEA-A32D-5FB7768A7BA1}" type="datetimeFigureOut">
               <a:rPr lang="de-DE" smtClean="0"/>
-              <a:t>29.10.2022</a:t>
+              <a:t>30.10.2022</a:t>
             </a:fld>
             <a:endParaRPr lang="de-DE"/>
           </a:p>
@@ -2924,7 +2924,7 @@
           <a:p>
             <a:fld id="{79EFB4F8-9E1C-4EEA-A32D-5FB7768A7BA1}" type="datetimeFigureOut">
               <a:rPr lang="de-DE" smtClean="0"/>
-              <a:t>29.10.2022</a:t>
+              <a:t>30.10.2022</a:t>
             </a:fld>
             <a:endParaRPr lang="de-DE"/>
           </a:p>
@@ -3515,12 +3515,8 @@
           <a:lstStyle/>
           <a:p>
             <a:r>
-              <a:rPr lang="de-DE" sz="3200" b="1" dirty="0" err="1"/>
-              <a:t>Fomula</a:t>
-            </a:r>
-            <a:r>
               <a:rPr lang="de-DE" sz="3200" b="1" dirty="0"/>
-              <a:t>:</a:t>
+              <a:t>Formula:</a:t>
             </a:r>
           </a:p>
           <a:p>
@@ -3569,8 +3565,8 @@
         </p:nvSpPr>
         <p:spPr>
           <a:xfrm>
-            <a:off x="489113" y="485775"/>
-            <a:ext cx="2371725" cy="369332"/>
+            <a:off x="454930" y="313903"/>
+            <a:ext cx="3822512" cy="369332"/>
           </a:xfrm>
           <a:prstGeom prst="rect">
             <a:avLst/>
@@ -3585,8 +3581,21 @@
           <a:p>
             <a:r>
               <a:rPr lang="de-DE" b="1" u="sng" dirty="0"/>
-              <a:t>General</a:t>
-            </a:r>
+              <a:t>General </a:t>
+            </a:r>
+            <a:r>
+              <a:rPr lang="de-DE" b="1" u="sng" dirty="0" err="1"/>
+              <a:t>arithmetic</a:t>
+            </a:r>
+            <a:r>
+              <a:rPr lang="de-DE" b="1" u="sng" dirty="0"/>
+              <a:t> </a:t>
+            </a:r>
+            <a:r>
+              <a:rPr lang="de-DE" b="1" u="sng" dirty="0" err="1"/>
+              <a:t>mean</a:t>
+            </a:r>
+            <a:endParaRPr lang="de-DE" b="1" u="sng" dirty="0"/>
           </a:p>
         </p:txBody>
       </p:sp>
@@ -3840,11 +3849,11 @@
           <a:lstStyle/>
           <a:p>
             <a:r>
-              <a:rPr lang="de-DE" dirty="0" err="1"/>
+              <a:rPr lang="de-DE" b="1" u="sng" dirty="0" err="1"/>
               <a:t>Example</a:t>
             </a:r>
             <a:r>
-              <a:rPr lang="de-DE" dirty="0"/>
+              <a:rPr lang="de-DE" b="1" u="sng" dirty="0"/>
               <a:t>:</a:t>
             </a:r>
           </a:p>
@@ -3865,7 +3874,7 @@
         <p:spPr>
           <a:xfrm>
             <a:off x="253436" y="3914215"/>
-            <a:ext cx="2649196" cy="646331"/>
+            <a:ext cx="2649196" cy="369332"/>
           </a:xfrm>
           <a:prstGeom prst="rect">
             <a:avLst/>
@@ -3904,15 +3913,7 @@
             </a:r>
             <a:r>
               <a:rPr lang="de-DE" dirty="0"/>
-              <a:t> 0.4 </a:t>
-            </a:r>
-            <a:r>
-              <a:rPr lang="de-DE" b="1" dirty="0" err="1"/>
-              <a:t>hrs</a:t>
-            </a:r>
-            <a:r>
-              <a:rPr lang="de-DE" dirty="0"/>
-              <a:t>. (40mins)</a:t>
+              <a:t> 40mins.</a:t>
             </a:r>
           </a:p>
         </p:txBody>
@@ -3931,7 +3932,7 @@
         </p:nvSpPr>
         <p:spPr>
           <a:xfrm>
-            <a:off x="253436" y="4537013"/>
+            <a:off x="253436" y="4283547"/>
             <a:ext cx="1751885" cy="369332"/>
           </a:xfrm>
           <a:prstGeom prst="rect">
@@ -3975,7 +3976,7 @@
         </p:nvSpPr>
         <p:spPr>
           <a:xfrm>
-            <a:off x="294693" y="5251400"/>
+            <a:off x="261982" y="4592976"/>
             <a:ext cx="3421256" cy="369332"/>
           </a:xfrm>
           <a:prstGeom prst="rect">
@@ -4015,7 +4016,7 @@
         </p:nvSpPr>
         <p:spPr>
           <a:xfrm>
-            <a:off x="367468" y="5734228"/>
+            <a:off x="253436" y="4902405"/>
             <a:ext cx="3802879" cy="369332"/>
           </a:xfrm>
           <a:prstGeom prst="rect">
@@ -4049,6 +4050,158 @@
           </a:p>
         </p:txBody>
       </p:sp>
+      <p:cxnSp>
+        <p:nvCxnSpPr>
+          <p:cNvPr id="2" name="Gerader Verbinder 1">
+            <a:extLst>
+              <a:ext uri="{FF2B5EF4-FFF2-40B4-BE49-F238E27FC236}">
+                <a16:creationId xmlns:a16="http://schemas.microsoft.com/office/drawing/2014/main" id="{56030686-9858-084F-B35A-2C6A7CE1DEBC}"/>
+              </a:ext>
+            </a:extLst>
+          </p:cNvPr>
+          <p:cNvCxnSpPr>
+            <a:cxnSpLocks/>
+          </p:cNvCxnSpPr>
+          <p:nvPr/>
+        </p:nvCxnSpPr>
+        <p:spPr>
+          <a:xfrm>
+            <a:off x="1666632" y="855107"/>
+            <a:ext cx="6542" cy="2042445"/>
+          </a:xfrm>
+          <a:prstGeom prst="line">
+            <a:avLst/>
+          </a:prstGeom>
+        </p:spPr>
+        <p:style>
+          <a:lnRef idx="1">
+            <a:schemeClr val="accent1"/>
+          </a:lnRef>
+          <a:fillRef idx="0">
+            <a:schemeClr val="accent1"/>
+          </a:fillRef>
+          <a:effectRef idx="0">
+            <a:schemeClr val="accent1"/>
+          </a:effectRef>
+          <a:fontRef idx="minor">
+            <a:schemeClr val="tx1"/>
+          </a:fontRef>
+        </p:style>
+      </p:cxnSp>
+      <p:cxnSp>
+        <p:nvCxnSpPr>
+          <p:cNvPr id="24" name="Gerader Verbinder 23">
+            <a:extLst>
+              <a:ext uri="{FF2B5EF4-FFF2-40B4-BE49-F238E27FC236}">
+                <a16:creationId xmlns:a16="http://schemas.microsoft.com/office/drawing/2014/main" id="{506954ED-8902-1567-B074-7A6F2981DA3A}"/>
+              </a:ext>
+            </a:extLst>
+          </p:cNvPr>
+          <p:cNvCxnSpPr>
+            <a:cxnSpLocks/>
+          </p:cNvCxnSpPr>
+          <p:nvPr/>
+        </p:nvCxnSpPr>
+        <p:spPr>
+          <a:xfrm>
+            <a:off x="3325584" y="809440"/>
+            <a:ext cx="6542" cy="2042445"/>
+          </a:xfrm>
+          <a:prstGeom prst="line">
+            <a:avLst/>
+          </a:prstGeom>
+        </p:spPr>
+        <p:style>
+          <a:lnRef idx="1">
+            <a:schemeClr val="accent1"/>
+          </a:lnRef>
+          <a:fillRef idx="0">
+            <a:schemeClr val="accent1"/>
+          </a:fillRef>
+          <a:effectRef idx="0">
+            <a:schemeClr val="accent1"/>
+          </a:effectRef>
+          <a:fontRef idx="minor">
+            <a:schemeClr val="tx1"/>
+          </a:fontRef>
+        </p:style>
+      </p:cxnSp>
+      <p:cxnSp>
+        <p:nvCxnSpPr>
+          <p:cNvPr id="25" name="Gerader Verbinder 24">
+            <a:extLst>
+              <a:ext uri="{FF2B5EF4-FFF2-40B4-BE49-F238E27FC236}">
+                <a16:creationId xmlns:a16="http://schemas.microsoft.com/office/drawing/2014/main" id="{EADC5244-8302-2DEA-1B27-5CA41215DC63}"/>
+              </a:ext>
+            </a:extLst>
+          </p:cNvPr>
+          <p:cNvCxnSpPr>
+            <a:cxnSpLocks/>
+          </p:cNvCxnSpPr>
+          <p:nvPr/>
+        </p:nvCxnSpPr>
+        <p:spPr>
+          <a:xfrm>
+            <a:off x="4684032" y="818750"/>
+            <a:ext cx="6542" cy="2042445"/>
+          </a:xfrm>
+          <a:prstGeom prst="line">
+            <a:avLst/>
+          </a:prstGeom>
+        </p:spPr>
+        <p:style>
+          <a:lnRef idx="1">
+            <a:schemeClr val="accent1"/>
+          </a:lnRef>
+          <a:fillRef idx="0">
+            <a:schemeClr val="accent1"/>
+          </a:fillRef>
+          <a:effectRef idx="0">
+            <a:schemeClr val="accent1"/>
+          </a:effectRef>
+          <a:fontRef idx="minor">
+            <a:schemeClr val="tx1"/>
+          </a:fontRef>
+        </p:style>
+      </p:cxnSp>
+      <p:cxnSp>
+        <p:nvCxnSpPr>
+          <p:cNvPr id="26" name="Gerader Verbinder 25">
+            <a:extLst>
+              <a:ext uri="{FF2B5EF4-FFF2-40B4-BE49-F238E27FC236}">
+                <a16:creationId xmlns:a16="http://schemas.microsoft.com/office/drawing/2014/main" id="{35A85945-F726-9969-37FB-23BB985198BD}"/>
+              </a:ext>
+            </a:extLst>
+          </p:cNvPr>
+          <p:cNvCxnSpPr>
+            <a:cxnSpLocks/>
+          </p:cNvCxnSpPr>
+          <p:nvPr/>
+        </p:nvCxnSpPr>
+        <p:spPr>
+          <a:xfrm>
+            <a:off x="6301859" y="820613"/>
+            <a:ext cx="6542" cy="2042445"/>
+          </a:xfrm>
+          <a:prstGeom prst="line">
+            <a:avLst/>
+          </a:prstGeom>
+        </p:spPr>
+        <p:style>
+          <a:lnRef idx="1">
+            <a:schemeClr val="accent1"/>
+          </a:lnRef>
+          <a:fillRef idx="0">
+            <a:schemeClr val="accent1"/>
+          </a:fillRef>
+          <a:effectRef idx="0">
+            <a:schemeClr val="accent1"/>
+          </a:effectRef>
+          <a:fontRef idx="minor">
+            <a:schemeClr val="tx1"/>
+          </a:fontRef>
+        </p:style>
+      </p:cxnSp>
     </p:spTree>
     <p:extLst>
       <p:ext uri="{BB962C8B-B14F-4D97-AF65-F5344CB8AC3E}">
@@ -4238,8 +4391,8 @@
         </p:nvSpPr>
         <p:spPr>
           <a:xfrm>
-            <a:off x="489113" y="485775"/>
-            <a:ext cx="2749744" cy="369332"/>
+            <a:off x="489112" y="485775"/>
+            <a:ext cx="8629251" cy="369332"/>
           </a:xfrm>
           <a:prstGeom prst="rect">
             <a:avLst/>
@@ -4254,7 +4407,23 @@
           <a:p>
             <a:r>
               <a:rPr lang="de-DE" b="1" u="sng" dirty="0"/>
-              <a:t>Low - </a:t>
+              <a:t>Low (</a:t>
+            </a:r>
+            <a:r>
+              <a:rPr lang="de-DE" b="1" u="sng" dirty="0" err="1"/>
+              <a:t>lowest</a:t>
+            </a:r>
+            <a:r>
+              <a:rPr lang="de-DE" b="1" u="sng" dirty="0"/>
+              <a:t> on </a:t>
+            </a:r>
+            <a:r>
+              <a:rPr lang="de-DE" b="1" u="sng" dirty="0" err="1"/>
+              <a:t>listing</a:t>
+            </a:r>
+            <a:r>
+              <a:rPr lang="de-DE" b="1" u="sng" dirty="0"/>
+              <a:t>) – </a:t>
             </a:r>
             <a:r>
               <a:rPr lang="de-DE" b="1" u="sng" dirty="0" err="1"/>
@@ -4262,7 +4431,39 @@
             </a:r>
             <a:r>
               <a:rPr lang="de-DE" b="1" u="sng" dirty="0"/>
-              <a:t> - </a:t>
+              <a:t> (</a:t>
+            </a:r>
+            <a:r>
+              <a:rPr lang="de-DE" b="1" u="sng" dirty="0" err="1"/>
+              <a:t>good</a:t>
+            </a:r>
+            <a:r>
+              <a:rPr lang="de-DE" b="1" u="sng" dirty="0"/>
+              <a:t> </a:t>
+            </a:r>
+            <a:r>
+              <a:rPr lang="de-DE" b="1" u="sng" dirty="0" err="1"/>
+              <a:t>eye</a:t>
+            </a:r>
+            <a:r>
+              <a:rPr lang="de-DE" b="1" u="sng" dirty="0"/>
+              <a:t> </a:t>
+            </a:r>
+            <a:r>
+              <a:rPr lang="de-DE" b="1" u="sng" dirty="0" err="1"/>
+              <a:t>mid</a:t>
+            </a:r>
+            <a:r>
+              <a:rPr lang="de-DE" b="1" u="sng" dirty="0"/>
+              <a:t> </a:t>
+            </a:r>
+            <a:r>
+              <a:rPr lang="de-DE" b="1" u="sng" dirty="0" err="1"/>
+              <a:t>listing</a:t>
+            </a:r>
+            <a:r>
+              <a:rPr lang="de-DE" b="1" u="sng" dirty="0"/>
+              <a:t>) - </a:t>
             </a:r>
             <a:r>
               <a:rPr lang="de-DE" b="1" u="sng" dirty="0" err="1"/>
@@ -4276,7 +4477,26 @@
               <a:rPr lang="de-DE" b="1" u="sng" dirty="0" err="1"/>
               <a:t>pace</a:t>
             </a:r>
-            <a:endParaRPr lang="de-DE" b="1" u="sng" dirty="0"/>
+            <a:r>
+              <a:rPr lang="de-DE" b="1" u="sng" dirty="0"/>
+              <a:t> (</a:t>
+            </a:r>
+            <a:r>
+              <a:rPr lang="de-DE" b="1" u="sng" dirty="0" err="1"/>
+              <a:t>highest</a:t>
+            </a:r>
+            <a:r>
+              <a:rPr lang="de-DE" b="1" u="sng" dirty="0"/>
+              <a:t> </a:t>
+            </a:r>
+            <a:r>
+              <a:rPr lang="de-DE" b="1" u="sng" dirty="0" err="1"/>
+              <a:t>listing</a:t>
+            </a:r>
+            <a:r>
+              <a:rPr lang="de-DE" b="1" u="sng" dirty="0"/>
+              <a:t>)</a:t>
+            </a:r>
           </a:p>
         </p:txBody>
       </p:sp>
@@ -4478,8 +4698,8 @@
         </p:nvSpPr>
         <p:spPr>
           <a:xfrm>
-            <a:off x="590226" y="4670431"/>
-            <a:ext cx="2357438" cy="369332"/>
+            <a:off x="527867" y="4649994"/>
+            <a:ext cx="2537535" cy="369332"/>
           </a:xfrm>
           <a:prstGeom prst="rect">
             <a:avLst/>
@@ -4499,7 +4719,7 @@
                 </a:solidFill>
                 <a:latin typeface="Times New Roman" panose="02020603050405020304" pitchFamily="18" charset="0"/>
               </a:rPr>
-              <a:t> &gt; </a:t>
+              <a:t> &gt; 20</a:t>
             </a:r>
             <a:r>
               <a:rPr lang="de-DE" b="0" i="0" dirty="0">
@@ -4509,7 +4729,7 @@
                 <a:effectLst/>
                 <a:latin typeface="Times New Roman" panose="02020603050405020304" pitchFamily="18" charset="0"/>
               </a:rPr>
-              <a:t>32 km/h, 15.8 MET</a:t>
+              <a:t> km/h, 15.8 MET</a:t>
             </a:r>
             <a:endParaRPr lang="de-DE" dirty="0"/>
           </a:p>
@@ -4543,15 +4763,6 @@
           </a:bodyPr>
           <a:lstStyle/>
           <a:p>
-            <a:r>
-              <a:rPr lang="de-DE" dirty="0">
-                <a:solidFill>
-                  <a:srgbClr val="000000"/>
-                </a:solidFill>
-                <a:latin typeface="Times New Roman" panose="02020603050405020304" pitchFamily="18" charset="0"/>
-              </a:rPr>
-              <a:t>&gt;</a:t>
-            </a:r>
             <a:r>
               <a:rPr lang="de-DE" b="0" i="0" dirty="0">
                 <a:solidFill>
@@ -4560,7 +4771,7 @@
                 <a:effectLst/>
                 <a:latin typeface="Times New Roman" panose="02020603050405020304" pitchFamily="18" charset="0"/>
               </a:rPr>
-              <a:t> 20 km/h, 8.0 MET</a:t>
+              <a:t>15 - 20 km/h, 8.0 MET</a:t>
             </a:r>
             <a:endParaRPr lang="de-DE" dirty="0"/>
           </a:p>
@@ -4751,7 +4962,7 @@
           <a:p>
             <a:r>
               <a:rPr lang="de-DE" dirty="0"/>
-              <a:t>&gt; 8 km/h, 8.3 MET </a:t>
+              <a:t>  &gt; 8 km/h, 8.3 MET </a:t>
             </a:r>
           </a:p>
         </p:txBody>
@@ -4786,7 +4997,7 @@
           <a:p>
             <a:r>
               <a:rPr lang="de-DE" dirty="0"/>
-              <a:t>&gt; 5 km/h, 3.5 MET </a:t>
+              <a:t>3,6 - 8 km/h, 3.5 MET </a:t>
             </a:r>
           </a:p>
         </p:txBody>
@@ -4856,7 +5067,7 @@
           <a:p>
             <a:r>
               <a:rPr lang="de-DE" dirty="0"/>
-              <a:t>&gt; 16 km/h, 14.5 MET </a:t>
+              <a:t>8 - 16 km/h, 14.5 MET </a:t>
             </a:r>
           </a:p>
         </p:txBody>
@@ -4891,7 +5102,7 @@
           <a:p>
             <a:r>
               <a:rPr lang="de-DE" dirty="0"/>
-              <a:t>&gt; 20 km/h, 19.8 MET </a:t>
+              <a:t>&gt; 16 km/h, 19.8 MET </a:t>
             </a:r>
           </a:p>
         </p:txBody>
@@ -4911,7 +5122,7 @@
         <p:spPr>
           <a:xfrm>
             <a:off x="9591963" y="3317500"/>
-            <a:ext cx="2281443" cy="369332"/>
+            <a:ext cx="2281443" cy="646331"/>
           </a:xfrm>
           <a:prstGeom prst="rect">
             <a:avLst/>
@@ -4926,7 +5137,7 @@
           <a:p>
             <a:r>
               <a:rPr lang="de-DE" dirty="0"/>
-              <a:t>&gt; 21 km/h, 12.3 MET </a:t>
+              <a:t>14,5 - 21 km/h, 12.3 MET </a:t>
             </a:r>
           </a:p>
         </p:txBody>
@@ -4996,7 +5207,7 @@
           <a:p>
             <a:r>
               <a:rPr lang="de-DE" dirty="0"/>
-              <a:t>&gt; 24 km/h, 14.0 MET </a:t>
+              <a:t>&gt; 21 km/h, 14.0 MET </a:t>
             </a:r>
           </a:p>
         </p:txBody>
@@ -5015,7 +5226,7 @@
         </p:nvSpPr>
         <p:spPr>
           <a:xfrm>
-            <a:off x="110795" y="5339392"/>
+            <a:off x="86585" y="5330880"/>
             <a:ext cx="2006259" cy="369332"/>
           </a:xfrm>
           <a:prstGeom prst="rect">
@@ -5030,11 +5241,11 @@
           <a:lstStyle/>
           <a:p>
             <a:r>
-              <a:rPr lang="de-DE" dirty="0" err="1"/>
+              <a:rPr lang="de-DE" b="1" u="sng" dirty="0" err="1"/>
               <a:t>Example</a:t>
             </a:r>
             <a:r>
-              <a:rPr lang="de-DE" dirty="0"/>
+              <a:rPr lang="de-DE" b="1" u="sng" dirty="0"/>
               <a:t>:</a:t>
             </a:r>
           </a:p>
@@ -5086,7 +5297,7 @@
             </a:r>
             <a:r>
               <a:rPr lang="de-DE" dirty="0"/>
-              <a:t>:</a:t>
+              <a:t>. :</a:t>
             </a:r>
           </a:p>
           <a:p>
@@ -5516,6 +5727,186 @@
           </a:p>
         </p:txBody>
       </p:sp>
+      <p:cxnSp>
+        <p:nvCxnSpPr>
+          <p:cNvPr id="9" name="Gerader Verbinder 8">
+            <a:extLst>
+              <a:ext uri="{FF2B5EF4-FFF2-40B4-BE49-F238E27FC236}">
+                <a16:creationId xmlns:a16="http://schemas.microsoft.com/office/drawing/2014/main" id="{AE0F1E5D-0EC8-9CF7-2825-7A503CBC7064}"/>
+              </a:ext>
+            </a:extLst>
+          </p:cNvPr>
+          <p:cNvCxnSpPr/>
+          <p:nvPr/>
+        </p:nvCxnSpPr>
+        <p:spPr>
+          <a:xfrm>
+            <a:off x="2947664" y="1059678"/>
+            <a:ext cx="0" cy="4091180"/>
+          </a:xfrm>
+          <a:prstGeom prst="line">
+            <a:avLst/>
+          </a:prstGeom>
+        </p:spPr>
+        <p:style>
+          <a:lnRef idx="1">
+            <a:schemeClr val="accent1"/>
+          </a:lnRef>
+          <a:fillRef idx="0">
+            <a:schemeClr val="accent1"/>
+          </a:fillRef>
+          <a:effectRef idx="0">
+            <a:schemeClr val="accent1"/>
+          </a:effectRef>
+          <a:fontRef idx="minor">
+            <a:schemeClr val="tx1"/>
+          </a:fontRef>
+        </p:style>
+      </p:cxnSp>
+      <p:cxnSp>
+        <p:nvCxnSpPr>
+          <p:cNvPr id="11" name="Gerader Verbinder 10">
+            <a:extLst>
+              <a:ext uri="{FF2B5EF4-FFF2-40B4-BE49-F238E27FC236}">
+                <a16:creationId xmlns:a16="http://schemas.microsoft.com/office/drawing/2014/main" id="{1EA66E86-36DD-5EEA-AC7E-92C9C91540AD}"/>
+              </a:ext>
+            </a:extLst>
+          </p:cNvPr>
+          <p:cNvCxnSpPr/>
+          <p:nvPr/>
+        </p:nvCxnSpPr>
+        <p:spPr>
+          <a:xfrm>
+            <a:off x="5129092" y="1059678"/>
+            <a:ext cx="0" cy="4091180"/>
+          </a:xfrm>
+          <a:prstGeom prst="line">
+            <a:avLst/>
+          </a:prstGeom>
+        </p:spPr>
+        <p:style>
+          <a:lnRef idx="1">
+            <a:schemeClr val="accent1"/>
+          </a:lnRef>
+          <a:fillRef idx="0">
+            <a:schemeClr val="accent1"/>
+          </a:fillRef>
+          <a:effectRef idx="0">
+            <a:schemeClr val="accent1"/>
+          </a:effectRef>
+          <a:fontRef idx="minor">
+            <a:schemeClr val="tx1"/>
+          </a:fontRef>
+        </p:style>
+      </p:cxnSp>
+      <p:cxnSp>
+        <p:nvCxnSpPr>
+          <p:cNvPr id="12" name="Gerader Verbinder 11">
+            <a:extLst>
+              <a:ext uri="{FF2B5EF4-FFF2-40B4-BE49-F238E27FC236}">
+                <a16:creationId xmlns:a16="http://schemas.microsoft.com/office/drawing/2014/main" id="{2C905DEC-C40B-8C3B-AE22-207D5FD919CD}"/>
+              </a:ext>
+            </a:extLst>
+          </p:cNvPr>
+          <p:cNvCxnSpPr/>
+          <p:nvPr/>
+        </p:nvCxnSpPr>
+        <p:spPr>
+          <a:xfrm>
+            <a:off x="7292007" y="1059678"/>
+            <a:ext cx="0" cy="4091180"/>
+          </a:xfrm>
+          <a:prstGeom prst="line">
+            <a:avLst/>
+          </a:prstGeom>
+        </p:spPr>
+        <p:style>
+          <a:lnRef idx="1">
+            <a:schemeClr val="accent1"/>
+          </a:lnRef>
+          <a:fillRef idx="0">
+            <a:schemeClr val="accent1"/>
+          </a:fillRef>
+          <a:effectRef idx="0">
+            <a:schemeClr val="accent1"/>
+          </a:effectRef>
+          <a:fontRef idx="minor">
+            <a:schemeClr val="tx1"/>
+          </a:fontRef>
+        </p:style>
+      </p:cxnSp>
+      <p:cxnSp>
+        <p:nvCxnSpPr>
+          <p:cNvPr id="14" name="Gerader Verbinder 13">
+            <a:extLst>
+              <a:ext uri="{FF2B5EF4-FFF2-40B4-BE49-F238E27FC236}">
+                <a16:creationId xmlns:a16="http://schemas.microsoft.com/office/drawing/2014/main" id="{A0EC4209-C47B-14B7-7E04-03C1B4EE2178}"/>
+              </a:ext>
+            </a:extLst>
+          </p:cNvPr>
+          <p:cNvCxnSpPr/>
+          <p:nvPr/>
+        </p:nvCxnSpPr>
+        <p:spPr>
+          <a:xfrm>
+            <a:off x="9591962" y="1059678"/>
+            <a:ext cx="0" cy="4091180"/>
+          </a:xfrm>
+          <a:prstGeom prst="line">
+            <a:avLst/>
+          </a:prstGeom>
+        </p:spPr>
+        <p:style>
+          <a:lnRef idx="1">
+            <a:schemeClr val="accent1"/>
+          </a:lnRef>
+          <a:fillRef idx="0">
+            <a:schemeClr val="accent1"/>
+          </a:fillRef>
+          <a:effectRef idx="0">
+            <a:schemeClr val="accent1"/>
+          </a:effectRef>
+          <a:fontRef idx="minor">
+            <a:schemeClr val="tx1"/>
+          </a:fontRef>
+        </p:style>
+      </p:cxnSp>
+      <p:cxnSp>
+        <p:nvCxnSpPr>
+          <p:cNvPr id="15" name="Gerader Verbinder 14">
+            <a:extLst>
+              <a:ext uri="{FF2B5EF4-FFF2-40B4-BE49-F238E27FC236}">
+                <a16:creationId xmlns:a16="http://schemas.microsoft.com/office/drawing/2014/main" id="{436AD109-D1B4-4764-2A47-5DEC5DBA75E1}"/>
+              </a:ext>
+            </a:extLst>
+          </p:cNvPr>
+          <p:cNvCxnSpPr/>
+          <p:nvPr/>
+        </p:nvCxnSpPr>
+        <p:spPr>
+          <a:xfrm>
+            <a:off x="533675" y="1059678"/>
+            <a:ext cx="0" cy="4091180"/>
+          </a:xfrm>
+          <a:prstGeom prst="line">
+            <a:avLst/>
+          </a:prstGeom>
+        </p:spPr>
+        <p:style>
+          <a:lnRef idx="1">
+            <a:schemeClr val="accent1"/>
+          </a:lnRef>
+          <a:fillRef idx="0">
+            <a:schemeClr val="accent1"/>
+          </a:fillRef>
+          <a:effectRef idx="0">
+            <a:schemeClr val="accent1"/>
+          </a:effectRef>
+          <a:fontRef idx="minor">
+            <a:schemeClr val="tx1"/>
+          </a:fontRef>
+        </p:style>
+      </p:cxnSp>
     </p:spTree>
     <p:extLst>
       <p:ext uri="{BB962C8B-B14F-4D97-AF65-F5344CB8AC3E}">
